--- a/spring11/slides11/slides14m.pptx
+++ b/spring11/slides11/slides14m.pptx
@@ -3184,7 +3184,7 @@
             </a:pPr>
             <a:r>
               <a:rPr lang="en-US" dirty="0" smtClean="0"/>
-              <a:t>May 12, 2010</a:t>
+              <a:t>May 9, 2011</a:t>
             </a:r>
             <a:endParaRPr lang="en-US" dirty="0"/>
           </a:p>
@@ -3361,7 +3361,7 @@
             </a:pPr>
             <a:r>
               <a:rPr lang="en-US" dirty="0" smtClean="0"/>
-              <a:t>May 12, 2010</a:t>
+              <a:t>May 9, 2011</a:t>
             </a:r>
             <a:endParaRPr lang="en-US" dirty="0"/>
           </a:p>
@@ -3560,7 +3560,7 @@
             </a:pPr>
             <a:r>
               <a:rPr lang="en-US" dirty="0" smtClean="0"/>
-              <a:t>May 12, 2010</a:t>
+              <a:t>May 9, 2011</a:t>
             </a:r>
             <a:endParaRPr lang="en-US" dirty="0"/>
           </a:p>
@@ -3685,7 +3685,7 @@
             </a:pPr>
             <a:r>
               <a:rPr lang="en-US" dirty="0" smtClean="0"/>
-              <a:t>May 12, 2010</a:t>
+              <a:t>May 9, 2011</a:t>
             </a:r>
             <a:endParaRPr lang="en-US" dirty="0"/>
           </a:p>
@@ -3787,7 +3787,7 @@
             </a:pPr>
             <a:r>
               <a:rPr lang="en-US" dirty="0" smtClean="0"/>
-              <a:t>May 12, 2010</a:t>
+              <a:t>May 9, 2011</a:t>
             </a:r>
             <a:endParaRPr lang="en-US" dirty="0"/>
           </a:p>
@@ -4048,7 +4048,7 @@
             </a:pPr>
             <a:r>
               <a:rPr lang="en-US" dirty="0" smtClean="0"/>
-              <a:t>May 12, 2010</a:t>
+              <a:t>May 9, 2011</a:t>
             </a:r>
             <a:endParaRPr lang="en-US" dirty="0"/>
           </a:p>
@@ -4296,11 +4296,7 @@
             </a:pPr>
             <a:r>
               <a:rPr lang="en-US" dirty="0" smtClean="0"/>
-              <a:t>Albert R Meyer,                        May</a:t>
-            </a:r>
-            <a:r>
-              <a:rPr lang="en-US" dirty="0" smtClean="0"/>
-              <a:t> 9, 2011</a:t>
+              <a:t>Albert R Meyer,                        May 9, 2011</a:t>
             </a:r>
             <a:endParaRPr lang="en-US" dirty="0"/>
           </a:p>
@@ -5088,7 +5084,11 @@
             </a:pPr>
             <a:r>
               <a:rPr lang="en-US" dirty="0" smtClean="0"/>
-              <a:t>Albert R Meyer,                        May 12, 2010</a:t>
+              <a:t>Albert R Meyer,                       </a:t>
+            </a:r>
+            <a:r>
+              <a:rPr lang="en-US" dirty="0" smtClean="0"/>
+              <a:t> May 9, 2011</a:t>
             </a:r>
             <a:endParaRPr lang="en-US" dirty="0"/>
           </a:p>
@@ -5282,7 +5282,11 @@
             </a:pPr>
             <a:r>
               <a:rPr lang="en-US" dirty="0" smtClean="0"/>
-              <a:t>Albert R Meyer,                        May 12, 2010</a:t>
+              <a:t>Albert R Meyer,                       </a:t>
+            </a:r>
+            <a:r>
+              <a:rPr lang="en-US" dirty="0" smtClean="0"/>
+              <a:t> May 9, 2011</a:t>
             </a:r>
             <a:endParaRPr lang="en-US" dirty="0"/>
           </a:p>
@@ -6197,7 +6201,11 @@
             </a:pPr>
             <a:r>
               <a:rPr lang="en-US" dirty="0" smtClean="0"/>
-              <a:t>Albert R Meyer,                        May 12, 2010</a:t>
+              <a:t>Albert R Meyer,                       </a:t>
+            </a:r>
+            <a:r>
+              <a:rPr lang="en-US" dirty="0" smtClean="0"/>
+              <a:t> May 9, 2011</a:t>
             </a:r>
             <a:endParaRPr lang="en-US" dirty="0"/>
           </a:p>
@@ -6419,7 +6427,11 @@
             </a:pPr>
             <a:r>
               <a:rPr lang="en-US" dirty="0" smtClean="0"/>
-              <a:t>Albert R Meyer,                        May 12, 2010</a:t>
+              <a:t>Albert R Meyer,                       </a:t>
+            </a:r>
+            <a:r>
+              <a:rPr lang="en-US" dirty="0" smtClean="0"/>
+              <a:t> May 9, 2011</a:t>
             </a:r>
             <a:endParaRPr lang="en-US" dirty="0"/>
           </a:p>
@@ -6957,7 +6969,11 @@
             </a:pPr>
             <a:r>
               <a:rPr lang="en-US" dirty="0" smtClean="0"/>
-              <a:t>Albert R Meyer,                        May 12, 2010</a:t>
+              <a:t>Albert R Meyer,                       </a:t>
+            </a:r>
+            <a:r>
+              <a:rPr lang="en-US" dirty="0" smtClean="0"/>
+              <a:t> May 9, 2011</a:t>
             </a:r>
             <a:endParaRPr lang="en-US" dirty="0"/>
           </a:p>
@@ -7520,7 +7536,11 @@
             </a:pPr>
             <a:r>
               <a:rPr lang="en-US" dirty="0" smtClean="0"/>
-              <a:t>Albert R Meyer,                        May 12, 2010</a:t>
+              <a:t>Albert R Meyer,                       </a:t>
+            </a:r>
+            <a:r>
+              <a:rPr lang="en-US" dirty="0" smtClean="0"/>
+              <a:t> May 9, 2011</a:t>
             </a:r>
             <a:endParaRPr lang="en-US" dirty="0"/>
           </a:p>
@@ -7940,7 +7960,11 @@
             </a:pPr>
             <a:r>
               <a:rPr lang="en-US" dirty="0" smtClean="0"/>
-              <a:t>Albert R Meyer,                        May 12, 2010</a:t>
+              <a:t>Albert R Meyer,                       </a:t>
+            </a:r>
+            <a:r>
+              <a:rPr lang="en-US" dirty="0" smtClean="0"/>
+              <a:t> May 9, 2011</a:t>
             </a:r>
             <a:endParaRPr lang="en-US" dirty="0"/>
           </a:p>
@@ -8277,11 +8301,7 @@
             </a:r>
             <a:r>
               <a:rPr lang="en-US" sz="3600" dirty="0" smtClean="0"/>
-              <a:t> </a:t>
-            </a:r>
-            <a:r>
-              <a:rPr lang="en-US" sz="3600" dirty="0" smtClean="0"/>
-              <a:t>$</a:t>
+              <a:t> $</a:t>
             </a:r>
             <a:r>
               <a:rPr lang="en-US" sz="3600" dirty="0" smtClean="0">
@@ -8532,7 +8552,11 @@
             </a:pPr>
             <a:r>
               <a:rPr lang="en-US" dirty="0" smtClean="0"/>
-              <a:t>Albert R Meyer,                        May 12, 2010</a:t>
+              <a:t>Albert R Meyer,                       </a:t>
+            </a:r>
+            <a:r>
+              <a:rPr lang="en-US" dirty="0" smtClean="0"/>
+              <a:t> May 9, 2011</a:t>
             </a:r>
             <a:endParaRPr lang="en-US" dirty="0"/>
           </a:p>
@@ -9111,7 +9135,11 @@
             </a:pPr>
             <a:r>
               <a:rPr lang="en-US" dirty="0" smtClean="0"/>
-              <a:t>Albert R Meyer,                        May 12, 2010</a:t>
+              <a:t>Albert R Meyer,                       </a:t>
+            </a:r>
+            <a:r>
+              <a:rPr lang="en-US" dirty="0" smtClean="0"/>
+              <a:t> May 9, 2011</a:t>
             </a:r>
             <a:endParaRPr lang="en-US" dirty="0"/>
           </a:p>
@@ -9334,7 +9362,11 @@
             </a:pPr>
             <a:r>
               <a:rPr lang="en-US" dirty="0" smtClean="0"/>
-              <a:t>Albert R Meyer,                        May 12, 2010</a:t>
+              <a:t>Albert R Meyer,                       </a:t>
+            </a:r>
+            <a:r>
+              <a:rPr lang="en-US" dirty="0" smtClean="0"/>
+              <a:t> May 9, 2011</a:t>
             </a:r>
             <a:endParaRPr lang="en-US" dirty="0"/>
           </a:p>
@@ -9626,7 +9658,11 @@
             </a:pPr>
             <a:r>
               <a:rPr lang="en-US" dirty="0" smtClean="0"/>
-              <a:t>Albert R Meyer,                        May 12, 2010</a:t>
+              <a:t>Albert R Meyer,                       </a:t>
+            </a:r>
+            <a:r>
+              <a:rPr lang="en-US" dirty="0" smtClean="0"/>
+              <a:t> May 9, 2011</a:t>
             </a:r>
             <a:endParaRPr lang="en-US" dirty="0"/>
           </a:p>
@@ -10026,8 +10062,8 @@
               <a:defRPr/>
             </a:pPr>
             <a:r>
-              <a:rPr lang="en-US" smtClean="0"/>
-              <a:t>May 12, 2010</a:t>
+              <a:rPr lang="en-US" dirty="0" smtClean="0"/>
+              <a:t>May 9, 2011</a:t>
             </a:r>
             <a:endParaRPr lang="en-US" dirty="0"/>
           </a:p>
@@ -10183,11 +10219,7 @@
           <a:p>
             <a:r>
               <a:rPr lang="en-US" sz="4400" dirty="0" smtClean="0"/>
-              <a:t>Flip a fair coin until</a:t>
-            </a:r>
-            <a:r>
-              <a:rPr lang="en-US" sz="4400" dirty="0" smtClean="0"/>
-              <a:t> a head;</a:t>
+              <a:t>Flip a fair coin until a head;</a:t>
             </a:r>
           </a:p>
           <a:p>
@@ -10209,15 +10241,19 @@
                   <a:srgbClr val="0000FF"/>
                 </a:solidFill>
               </a:rPr>
-              <a:t>::= #flips</a:t>
+              <a:t>::= </a:t>
+            </a:r>
+            <a:r>
+              <a:rPr lang="en-US" sz="4400" dirty="0" smtClean="0">
+                <a:solidFill>
+                  <a:srgbClr val="0000FF"/>
+                </a:solidFill>
+              </a:rPr>
+              <a:t>#tails</a:t>
             </a:r>
             <a:r>
               <a:rPr lang="en-US" sz="4400" dirty="0" smtClean="0"/>
-              <a:t>.</a:t>
-            </a:r>
-            <a:r>
-              <a:rPr lang="en-US" sz="4400" dirty="0" smtClean="0"/>
-              <a:t>   If flip  </a:t>
+              <a:t>.   If flip  </a:t>
             </a:r>
             <a:r>
               <a:rPr lang="en-US" sz="5400" dirty="0" smtClean="0">
@@ -10900,7 +10936,11 @@
             </a:pPr>
             <a:r>
               <a:rPr lang="en-US" dirty="0" smtClean="0"/>
-              <a:t>Albert R Meyer,                        May 12, 2010</a:t>
+              <a:t>Albert R Meyer,                       </a:t>
+            </a:r>
+            <a:r>
+              <a:rPr lang="en-US" dirty="0" smtClean="0"/>
+              <a:t> May 9, 2011</a:t>
             </a:r>
             <a:endParaRPr lang="en-US" dirty="0"/>
           </a:p>
@@ -12815,7 +12855,11 @@
             </a:pPr>
             <a:r>
               <a:rPr lang="en-US" dirty="0" smtClean="0"/>
-              <a:t>Albert R Meyer,                        May 12, 2010</a:t>
+              <a:t>Albert R Meyer,                       </a:t>
+            </a:r>
+            <a:r>
+              <a:rPr lang="en-US" dirty="0" smtClean="0"/>
+              <a:t> May 9, 2011</a:t>
             </a:r>
             <a:endParaRPr lang="en-US" dirty="0"/>
           </a:p>
@@ -14401,7 +14445,11 @@
             </a:pPr>
             <a:r>
               <a:rPr lang="en-US" dirty="0" smtClean="0"/>
-              <a:t>Albert R Meyer,                        May 12, 2010</a:t>
+              <a:t>Albert R Meyer,                       </a:t>
+            </a:r>
+            <a:r>
+              <a:rPr lang="en-US" dirty="0" smtClean="0"/>
+              <a:t> May 9, 2011</a:t>
             </a:r>
             <a:endParaRPr lang="en-US" dirty="0"/>
           </a:p>
@@ -15702,7 +15750,11 @@
             </a:pPr>
             <a:r>
               <a:rPr lang="en-US" dirty="0" smtClean="0"/>
-              <a:t>Albert R Meyer,                        May 12, 2010</a:t>
+              <a:t>Albert R Meyer,                       </a:t>
+            </a:r>
+            <a:r>
+              <a:rPr lang="en-US" dirty="0" smtClean="0"/>
+              <a:t> May 9, 2011</a:t>
             </a:r>
             <a:endParaRPr lang="en-US" dirty="0"/>
           </a:p>
@@ -16469,7 +16521,11 @@
             </a:pPr>
             <a:r>
               <a:rPr lang="en-US" dirty="0" smtClean="0"/>
-              <a:t>Albert R Meyer,                        May 12, 2010</a:t>
+              <a:t>Albert R Meyer,                       </a:t>
+            </a:r>
+            <a:r>
+              <a:rPr lang="en-US" dirty="0" smtClean="0"/>
+              <a:t> May 9, 2011</a:t>
             </a:r>
             <a:endParaRPr lang="en-US" dirty="0"/>
           </a:p>
@@ -17133,7 +17189,11 @@
             </a:pPr>
             <a:r>
               <a:rPr lang="en-US" dirty="0" smtClean="0"/>
-              <a:t>Albert R Meyer,                        May 12, 2010</a:t>
+              <a:t>Albert R Meyer,                       </a:t>
+            </a:r>
+            <a:r>
+              <a:rPr lang="en-US" dirty="0" smtClean="0"/>
+              <a:t> May 9, 2011</a:t>
             </a:r>
             <a:endParaRPr lang="en-US" dirty="0"/>
           </a:p>
@@ -17718,7 +17778,11 @@
             </a:pPr>
             <a:r>
               <a:rPr lang="en-US" dirty="0" smtClean="0"/>
-              <a:t>Albert R Meyer,                        May 12, 2010</a:t>
+              <a:t>Albert R Meyer,                       </a:t>
+            </a:r>
+            <a:r>
+              <a:rPr lang="en-US" dirty="0" smtClean="0"/>
+              <a:t> May 9, 2011</a:t>
             </a:r>
             <a:endParaRPr lang="en-US" dirty="0"/>
           </a:p>
@@ -18300,7 +18364,11 @@
             </a:pPr>
             <a:r>
               <a:rPr lang="en-US" dirty="0" smtClean="0"/>
-              <a:t>Albert R Meyer,                        May 12, 2010</a:t>
+              <a:t>Albert R Meyer,                       </a:t>
+            </a:r>
+            <a:r>
+              <a:rPr lang="en-US" dirty="0" smtClean="0"/>
+              <a:t> May 9, 2011</a:t>
             </a:r>
             <a:endParaRPr lang="en-US" dirty="0"/>
           </a:p>
@@ -19534,7 +19602,11 @@
             </a:pPr>
             <a:r>
               <a:rPr lang="en-US" dirty="0" smtClean="0"/>
-              <a:t>Albert R Meyer,                        May 12, 2010</a:t>
+              <a:t>Albert R Meyer,                       </a:t>
+            </a:r>
+            <a:r>
+              <a:rPr lang="en-US" dirty="0" smtClean="0"/>
+              <a:t> May 9, 2011</a:t>
             </a:r>
             <a:endParaRPr lang="en-US" dirty="0"/>
           </a:p>
@@ -20081,7 +20153,11 @@
             </a:pPr>
             <a:r>
               <a:rPr lang="en-US" dirty="0" smtClean="0"/>
-              <a:t>Albert R Meyer,                        May 12, 2010</a:t>
+              <a:t>Albert R Meyer,                       </a:t>
+            </a:r>
+            <a:r>
+              <a:rPr lang="en-US" dirty="0" smtClean="0"/>
+              <a:t> May 9, 2011</a:t>
             </a:r>
             <a:endParaRPr lang="en-US" dirty="0"/>
           </a:p>
@@ -20274,8 +20350,8 @@
               <a:defRPr/>
             </a:pPr>
             <a:r>
-              <a:rPr lang="en-US" smtClean="0"/>
-              <a:t>May 12, 2010</a:t>
+              <a:rPr lang="en-US" dirty="0" smtClean="0"/>
+              <a:t>May 9, 2011</a:t>
             </a:r>
             <a:endParaRPr lang="en-US" dirty="0"/>
           </a:p>
@@ -20473,15 +20549,7 @@
             </a:r>
             <a:r>
               <a:rPr lang="en-US" sz="4400" dirty="0" smtClean="0"/>
-              <a:t> </a:t>
-            </a:r>
-            <a:r>
-              <a:rPr lang="en-US" sz="4400" dirty="0" smtClean="0"/>
-              <a:t>try:</a:t>
-            </a:r>
-            <a:r>
-              <a:rPr lang="en-US" sz="4400" dirty="0" smtClean="0"/>
-              <a:t> </a:t>
+              <a:t> try: </a:t>
             </a:r>
             <a:r>
               <a:rPr lang="en-US" sz="5400" dirty="0" smtClean="0">
@@ -20501,7 +20569,31 @@
                 <a:latin typeface="Comic Sans MS"/>
                 <a:cs typeface="Comic Sans MS"/>
               </a:rPr>
-              <a:t>, must </a:t>
+              <a:t>, must repeat</a:t>
+            </a:r>
+          </a:p>
+          <a:p>
+            <a:r>
+              <a:rPr lang="en-US" sz="4400" dirty="0" smtClean="0"/>
+              <a:t>3</a:t>
+            </a:r>
+            <a:r>
+              <a:rPr lang="en-US" sz="4400" baseline="30000" dirty="0" smtClean="0"/>
+              <a:t>rd</a:t>
+            </a:r>
+            <a:r>
+              <a:rPr lang="en-US" sz="4400" dirty="0" smtClean="0"/>
+              <a:t> try: </a:t>
+            </a:r>
+            <a:r>
+              <a:rPr lang="en-US" sz="5400" dirty="0" smtClean="0">
+                <a:solidFill>
+                  <a:srgbClr val="660066"/>
+                </a:solidFill>
+                <a:latin typeface="Courier New"/>
+                <a:cs typeface="Courier New"/>
+              </a:rPr>
+              <a:t>TH</a:t>
             </a:r>
             <a:r>
               <a:rPr lang="en-US" sz="4800" dirty="0" smtClean="0">
@@ -20511,33 +20603,21 @@
                 <a:latin typeface="Comic Sans MS"/>
                 <a:cs typeface="Comic Sans MS"/>
               </a:rPr>
-              <a:t>repeat</a:t>
+              <a:t>, must repeat</a:t>
             </a:r>
           </a:p>
           <a:p>
             <a:r>
               <a:rPr lang="en-US" sz="4400" dirty="0" smtClean="0"/>
-              <a:t>3</a:t>
+              <a:t>4</a:t>
             </a:r>
             <a:r>
               <a:rPr lang="en-US" sz="4400" baseline="30000" dirty="0" smtClean="0"/>
-              <a:t>r</a:t>
-            </a:r>
-            <a:r>
-              <a:rPr lang="en-US" sz="4400" baseline="30000" dirty="0" smtClean="0"/>
-              <a:t>d</a:t>
+              <a:t>th</a:t>
             </a:r>
             <a:r>
               <a:rPr lang="en-US" sz="4400" dirty="0" smtClean="0"/>
-              <a:t> </a:t>
-            </a:r>
-            <a:r>
-              <a:rPr lang="en-US" sz="4400" dirty="0" smtClean="0"/>
-              <a:t>try:</a:t>
-            </a:r>
-            <a:r>
-              <a:rPr lang="en-US" sz="4400" dirty="0" smtClean="0"/>
-              <a:t> </a:t>
+              <a:t> try: </a:t>
             </a:r>
             <a:r>
               <a:rPr lang="en-US" sz="5400" dirty="0" smtClean="0">
@@ -20547,7 +20627,7 @@
                 <a:latin typeface="Courier New"/>
                 <a:cs typeface="Courier New"/>
               </a:rPr>
-              <a:t>TH</a:t>
+              <a:t>TTTH</a:t>
             </a:r>
             <a:r>
               <a:rPr lang="en-US" sz="4800" dirty="0" smtClean="0">
@@ -20557,75 +20637,7 @@
                 <a:latin typeface="Comic Sans MS"/>
                 <a:cs typeface="Comic Sans MS"/>
               </a:rPr>
-              <a:t>, </a:t>
-            </a:r>
-            <a:r>
-              <a:rPr lang="en-US" sz="4800" dirty="0" smtClean="0">
-                <a:solidFill>
-                  <a:schemeClr val="tx2"/>
-                </a:solidFill>
-                <a:latin typeface="Comic Sans MS"/>
-                <a:cs typeface="Comic Sans MS"/>
-              </a:rPr>
-              <a:t>must </a:t>
-            </a:r>
-            <a:r>
-              <a:rPr lang="en-US" sz="4800" dirty="0" smtClean="0">
-                <a:solidFill>
-                  <a:schemeClr val="tx2"/>
-                </a:solidFill>
-                <a:latin typeface="Comic Sans MS"/>
-                <a:cs typeface="Comic Sans MS"/>
-              </a:rPr>
-              <a:t>repeat</a:t>
-            </a:r>
-          </a:p>
-          <a:p>
-            <a:r>
-              <a:rPr lang="en-US" sz="4400" dirty="0" smtClean="0"/>
-              <a:t>4</a:t>
-            </a:r>
-            <a:r>
-              <a:rPr lang="en-US" sz="4400" baseline="30000" dirty="0" smtClean="0"/>
-              <a:t>th</a:t>
-            </a:r>
-            <a:r>
-              <a:rPr lang="en-US" sz="4400" dirty="0" smtClean="0"/>
-              <a:t> </a:t>
-            </a:r>
-            <a:r>
-              <a:rPr lang="en-US" sz="4400" dirty="0" smtClean="0"/>
-              <a:t>try: </a:t>
-            </a:r>
-            <a:r>
-              <a:rPr lang="en-US" sz="5400" dirty="0" smtClean="0">
-                <a:solidFill>
-                  <a:srgbClr val="660066"/>
-                </a:solidFill>
-                <a:latin typeface="Courier New"/>
-                <a:cs typeface="Courier New"/>
-              </a:rPr>
-              <a:t>TTTH</a:t>
-            </a:r>
-            <a:r>
-              <a:rPr lang="en-US" sz="4800" dirty="0" smtClean="0">
-                <a:solidFill>
-                  <a:schemeClr val="tx2"/>
-                </a:solidFill>
-                <a:latin typeface="Comic Sans MS"/>
-                <a:cs typeface="Comic Sans MS"/>
-              </a:rPr>
-              <a:t>,</a:t>
-            </a:r>
-            <a:r>
-              <a:rPr lang="en-US" sz="4800" dirty="0" smtClean="0">
-                <a:solidFill>
-                  <a:schemeClr val="tx2"/>
-                </a:solidFill>
-                <a:latin typeface="Comic Sans MS"/>
-                <a:cs typeface="Comic Sans MS"/>
-              </a:rPr>
-              <a:t> done!</a:t>
+              <a:t>, done!</a:t>
             </a:r>
           </a:p>
           <a:p>
@@ -21476,7 +21488,11 @@
             </a:pPr>
             <a:r>
               <a:rPr lang="en-US" dirty="0" smtClean="0"/>
-              <a:t>Albert R Meyer,                        May 12, 2010</a:t>
+              <a:t>Albert R Meyer,                       </a:t>
+            </a:r>
+            <a:r>
+              <a:rPr lang="en-US" dirty="0" smtClean="0"/>
+              <a:t> May 9, 2011</a:t>
             </a:r>
             <a:endParaRPr lang="en-US" dirty="0"/>
           </a:p>
@@ -22305,7 +22321,11 @@
             </a:pPr>
             <a:r>
               <a:rPr lang="en-US" dirty="0" smtClean="0"/>
-              <a:t>Albert R Meyer,                        May 12, 2010</a:t>
+              <a:t>Albert R Meyer,                       </a:t>
+            </a:r>
+            <a:r>
+              <a:rPr lang="en-US" dirty="0" smtClean="0"/>
+              <a:t> May 9, 2011</a:t>
             </a:r>
             <a:endParaRPr lang="en-US" dirty="0"/>
           </a:p>
@@ -22870,7 +22890,11 @@
             </a:pPr>
             <a:r>
               <a:rPr lang="en-US" dirty="0" smtClean="0"/>
-              <a:t>Albert R Meyer,                        May 12, 2010</a:t>
+              <a:t>Albert R Meyer,                       </a:t>
+            </a:r>
+            <a:r>
+              <a:rPr lang="en-US" dirty="0" smtClean="0"/>
+              <a:t> May 9, 2011</a:t>
             </a:r>
             <a:endParaRPr lang="en-US" dirty="0"/>
           </a:p>
@@ -22930,8 +22954,8 @@
               <a:defRPr/>
             </a:pPr>
             <a:r>
-              <a:rPr lang="en-US" smtClean="0"/>
-              <a:t>May 12, 2010</a:t>
+              <a:rPr lang="en-US" dirty="0" smtClean="0"/>
+              <a:t>May 9, 2011</a:t>
             </a:r>
             <a:endParaRPr lang="en-US" dirty="0"/>
           </a:p>
@@ -23472,8 +23496,8 @@
               <a:defRPr/>
             </a:pPr>
             <a:r>
-              <a:rPr lang="en-US" smtClean="0"/>
-              <a:t>May 12, 2010</a:t>
+              <a:rPr lang="en-US" dirty="0" smtClean="0"/>
+              <a:t>May 9, 2011</a:t>
             </a:r>
             <a:endParaRPr lang="en-US" dirty="0"/>
           </a:p>
@@ -23767,6 +23791,26 @@
           </a:graphicData>
         </a:graphic>
       </p:graphicFrame>
+      <p:graphicFrame>
+        <p:nvGraphicFramePr>
+          <p:cNvPr id="10" name="Object 9"/>
+          <p:cNvGraphicFramePr>
+            <a:graphicFrameLocks noChangeAspect="1"/>
+          </p:cNvGraphicFramePr>
+          <p:nvPr/>
+        </p:nvGraphicFramePr>
+        <p:xfrm>
+          <a:off x="5305425" y="3733800"/>
+          <a:ext cx="2695575" cy="2460625"/>
+        </p:xfrm>
+        <a:graphic>
+          <a:graphicData uri="http://schemas.openxmlformats.org/presentationml/2006/ole">
+            <p:oleObj spid="_x0000_s241671" name="Equation" r:id="rId5" imgW="584200" imgH="533400" progId="Equation.DSMT4">
+              <p:embed/>
+            </p:oleObj>
+          </a:graphicData>
+        </a:graphic>
+      </p:graphicFrame>
     </p:spTree>
   </p:cSld>
   <p:clrMapOvr>
@@ -23796,7 +23840,7 @@
                             </p:stCondLst>
                             <p:childTnLst>
                               <p:par>
-                                <p:cTn id="5" presetID="9" presetClass="entr" presetSubtype="0" fill="hold" grpId="0" nodeType="clickEffect">
+                                <p:cTn id="5" presetID="2" presetClass="entr" presetSubtype="4" accel="50000" decel="50000" fill="hold" nodeType="clickEffect">
                                   <p:stCondLst>
                                     <p:cond delay="0"/>
                                   </p:stCondLst>
@@ -23809,11 +23853,7 @@
                                           </p:stCondLst>
                                         </p:cTn>
                                         <p:tgtEl>
-                                          <p:spTgt spid="9">
-                                            <p:txEl>
-                                              <p:pRg st="1" end="1"/>
-                                            </p:txEl>
-                                          </p:spTgt>
+                                          <p:spTgt spid="10"/>
                                         </p:tgtEl>
                                         <p:attrNameLst>
                                           <p:attrName>style.visibility</p:attrName>
@@ -23823,71 +23863,52 @@
                                         <p:strVal val="visible"/>
                                       </p:to>
                                     </p:set>
-                                    <p:animEffect transition="in" filter="dissolve">
-                                      <p:cBhvr>
-                                        <p:cTn id="7" dur="500"/>
+                                    <p:anim calcmode="lin" valueType="num">
+                                      <p:cBhvr additive="base">
+                                        <p:cTn id="7" dur="1000" fill="hold"/>
                                         <p:tgtEl>
-                                          <p:spTgt spid="9">
-                                            <p:txEl>
-                                              <p:pRg st="1" end="1"/>
-                                            </p:txEl>
-                                          </p:spTgt>
-                                        </p:tgtEl>
-                                      </p:cBhvr>
-                                    </p:animEffect>
-                                  </p:childTnLst>
-                                </p:cTn>
-                              </p:par>
-                            </p:childTnLst>
-                          </p:cTn>
-                        </p:par>
-                      </p:childTnLst>
-                    </p:cTn>
-                  </p:par>
-                  <p:par>
-                    <p:cTn id="8" fill="hold">
-                      <p:stCondLst>
-                        <p:cond delay="indefinite"/>
-                      </p:stCondLst>
-                      <p:childTnLst>
-                        <p:par>
-                          <p:cTn id="9" fill="hold">
-                            <p:stCondLst>
-                              <p:cond delay="0"/>
-                            </p:stCondLst>
-                            <p:childTnLst>
-                              <p:par>
-                                <p:cTn id="10" presetID="22" presetClass="entr" presetSubtype="8" fill="hold" nodeType="clickEffect">
-                                  <p:stCondLst>
-                                    <p:cond delay="0"/>
-                                  </p:stCondLst>
-                                  <p:childTnLst>
-                                    <p:set>
-                                      <p:cBhvr>
-                                        <p:cTn id="11" dur="1" fill="hold">
-                                          <p:stCondLst>
-                                            <p:cond delay="0"/>
-                                          </p:stCondLst>
-                                        </p:cTn>
-                                        <p:tgtEl>
-                                          <p:spTgt spid="8"/>
+                                          <p:spTgt spid="10"/>
                                         </p:tgtEl>
                                         <p:attrNameLst>
-                                          <p:attrName>style.visibility</p:attrName>
+                                          <p:attrName>ppt_x</p:attrName>
                                         </p:attrNameLst>
                                       </p:cBhvr>
-                                      <p:to>
-                                        <p:strVal val="visible"/>
-                                      </p:to>
-                                    </p:set>
-                                    <p:animEffect transition="in" filter="wipe(left)">
-                                      <p:cBhvr>
-                                        <p:cTn id="12" dur="500"/>
+                                      <p:tavLst>
+                                        <p:tav tm="0">
+                                          <p:val>
+                                            <p:strVal val="#ppt_x"/>
+                                          </p:val>
+                                        </p:tav>
+                                        <p:tav tm="100000">
+                                          <p:val>
+                                            <p:strVal val="#ppt_x"/>
+                                          </p:val>
+                                        </p:tav>
+                                      </p:tavLst>
+                                    </p:anim>
+                                    <p:anim calcmode="lin" valueType="num">
+                                      <p:cBhvr additive="base">
+                                        <p:cTn id="8" dur="1000" fill="hold"/>
                                         <p:tgtEl>
-                                          <p:spTgt spid="8"/>
+                                          <p:spTgt spid="10"/>
                                         </p:tgtEl>
+                                        <p:attrNameLst>
+                                          <p:attrName>ppt_y</p:attrName>
+                                        </p:attrNameLst>
                                       </p:cBhvr>
-                                    </p:animEffect>
+                                      <p:tavLst>
+                                        <p:tav tm="0">
+                                          <p:val>
+                                            <p:strVal val="1+#ppt_h/2"/>
+                                          </p:val>
+                                        </p:tav>
+                                        <p:tav tm="100000">
+                                          <p:val>
+                                            <p:strVal val="#ppt_y"/>
+                                          </p:val>
+                                        </p:tav>
+                                      </p:tavLst>
+                                    </p:anim>
                                   </p:childTnLst>
                                 </p:cTn>
                               </p:par>
@@ -23918,9 +23939,6 @@
         </p:cTn>
       </p:par>
     </p:tnLst>
-    <p:bldLst>
-      <p:bldP spid="9" grpId="0" build="p"/>
-    </p:bldLst>
   </p:timing>
 </p:sld>
 </file>
@@ -23961,8 +23979,8 @@
               <a:defRPr/>
             </a:pPr>
             <a:r>
-              <a:rPr lang="en-US" smtClean="0"/>
-              <a:t>May 12, 2010</a:t>
+              <a:rPr lang="en-US" dirty="0" smtClean="0"/>
+              <a:t>May 9, 2011</a:t>
             </a:r>
             <a:endParaRPr lang="en-US" dirty="0"/>
           </a:p>
@@ -24310,8 +24328,8 @@
               <a:defRPr/>
             </a:pPr>
             <a:r>
-              <a:rPr lang="en-US" smtClean="0"/>
-              <a:t>May 12, 2010</a:t>
+              <a:rPr lang="en-US" dirty="0" smtClean="0"/>
+              <a:t>May 9, 2011</a:t>
             </a:r>
             <a:endParaRPr lang="en-US" dirty="0"/>
           </a:p>
@@ -25028,8 +25046,8 @@
               <a:defRPr/>
             </a:pPr>
             <a:r>
-              <a:rPr lang="en-US" smtClean="0"/>
-              <a:t>May 12, 2010</a:t>
+              <a:rPr lang="en-US" dirty="0" smtClean="0"/>
+              <a:t>May 9, 2011</a:t>
             </a:r>
             <a:endParaRPr lang="en-US" dirty="0"/>
           </a:p>
@@ -25257,8 +25275,8 @@
               <a:defRPr/>
             </a:pPr>
             <a:r>
-              <a:rPr lang="en-US" smtClean="0"/>
-              <a:t>May 12, 2010</a:t>
+              <a:rPr lang="en-US" dirty="0" smtClean="0"/>
+              <a:t>May 9, 2011</a:t>
             </a:r>
             <a:endParaRPr lang="en-US" dirty="0"/>
           </a:p>
